--- a/preact-tw.pptx
+++ b/preact-tw.pptx
@@ -5880,7 +5880,7 @@
         </p:blipFill>
         <p:spPr>
           <a:xfrm>
-            <a:off x="7379564" y="4703495"/>
+            <a:off x="7554617" y="4987697"/>
             <a:ext cx="3375945" cy="1324023"/>
           </a:xfrm>
           <a:prstGeom prst="rect">
@@ -5910,8 +5910,8 @@
         </p:blipFill>
         <p:spPr>
           <a:xfrm>
-            <a:off x="7123323" y="2291281"/>
-            <a:ext cx="3725466" cy="1597402"/>
+            <a:off x="6987522" y="2264121"/>
+            <a:ext cx="4791236" cy="2054382"/>
           </a:xfrm>
           <a:prstGeom prst="rect">
             <a:avLst/>
@@ -5932,7 +5932,7 @@
         </p:nvSpPr>
         <p:spPr>
           <a:xfrm rot="5400000">
-            <a:off x="8811042" y="4019738"/>
+            <a:off x="9047238" y="4252399"/>
             <a:ext cx="671804" cy="552702"/>
           </a:xfrm>
           <a:prstGeom prst="stripedRightArrow">

--- a/preact-tw.pptx
+++ b/preact-tw.pptx
@@ -14,13 +14,11 @@
     <p:sldId id="272" r:id="rId8"/>
     <p:sldId id="273" r:id="rId9"/>
     <p:sldId id="274" r:id="rId10"/>
-    <p:sldId id="269" r:id="rId11"/>
-    <p:sldId id="267" r:id="rId12"/>
-    <p:sldId id="268" r:id="rId13"/>
-    <p:sldId id="261" r:id="rId14"/>
-    <p:sldId id="262" r:id="rId15"/>
-    <p:sldId id="263" r:id="rId16"/>
-    <p:sldId id="260" r:id="rId17"/>
+    <p:sldId id="275" r:id="rId11"/>
+    <p:sldId id="276" r:id="rId12"/>
+    <p:sldId id="277" r:id="rId13"/>
+    <p:sldId id="269" r:id="rId14"/>
+    <p:sldId id="260" r:id="rId15"/>
   </p:sldIdLst>
   <p:sldSz cx="12192000" cy="6858000"/>
   <p:notesSz cx="6858000" cy="9144000"/>
@@ -303,7 +301,7 @@
           <a:p>
             <a:fld id="{008B194E-3721-434C-9B1B-E40BBF9B2056}" type="datetimeFigureOut">
               <a:rPr lang="en-US" smtClean="0"/>
-              <a:t>7/6/2024</a:t>
+              <a:t>7/7/2024</a:t>
             </a:fld>
             <a:endParaRPr lang="en-US"/>
           </a:p>
@@ -473,7 +471,7 @@
           <a:p>
             <a:fld id="{008B194E-3721-434C-9B1B-E40BBF9B2056}" type="datetimeFigureOut">
               <a:rPr lang="en-US" smtClean="0"/>
-              <a:t>7/6/2024</a:t>
+              <a:t>7/7/2024</a:t>
             </a:fld>
             <a:endParaRPr lang="en-US"/>
           </a:p>
@@ -696,7 +694,7 @@
           <a:p>
             <a:fld id="{008B194E-3721-434C-9B1B-E40BBF9B2056}" type="datetimeFigureOut">
               <a:rPr lang="en-US" smtClean="0"/>
-              <a:t>7/6/2024</a:t>
+              <a:t>7/7/2024</a:t>
             </a:fld>
             <a:endParaRPr lang="en-US"/>
           </a:p>
@@ -876,7 +874,7 @@
           <a:p>
             <a:fld id="{008B194E-3721-434C-9B1B-E40BBF9B2056}" type="datetimeFigureOut">
               <a:rPr lang="en-US" smtClean="0"/>
-              <a:t>7/6/2024</a:t>
+              <a:t>7/7/2024</a:t>
             </a:fld>
             <a:endParaRPr lang="en-US"/>
           </a:p>
@@ -1182,7 +1180,7 @@
           <a:p>
             <a:fld id="{008B194E-3721-434C-9B1B-E40BBF9B2056}" type="datetimeFigureOut">
               <a:rPr lang="en-US" smtClean="0"/>
-              <a:t>7/6/2024</a:t>
+              <a:t>7/7/2024</a:t>
             </a:fld>
             <a:endParaRPr lang="en-US"/>
           </a:p>
@@ -1486,7 +1484,7 @@
           <a:p>
             <a:fld id="{008B194E-3721-434C-9B1B-E40BBF9B2056}" type="datetimeFigureOut">
               <a:rPr lang="en-US" smtClean="0"/>
-              <a:t>7/6/2024</a:t>
+              <a:t>7/7/2024</a:t>
             </a:fld>
             <a:endParaRPr lang="en-US"/>
           </a:p>
@@ -1908,7 +1906,7 @@
           <a:p>
             <a:fld id="{008B194E-3721-434C-9B1B-E40BBF9B2056}" type="datetimeFigureOut">
               <a:rPr lang="en-US" smtClean="0"/>
-              <a:t>7/6/2024</a:t>
+              <a:t>7/7/2024</a:t>
             </a:fld>
             <a:endParaRPr lang="en-US"/>
           </a:p>
@@ -2026,7 +2024,7 @@
           <a:p>
             <a:fld id="{008B194E-3721-434C-9B1B-E40BBF9B2056}" type="datetimeFigureOut">
               <a:rPr lang="en-US" smtClean="0"/>
-              <a:t>7/6/2024</a:t>
+              <a:t>7/7/2024</a:t>
             </a:fld>
             <a:endParaRPr lang="en-US"/>
           </a:p>
@@ -2121,7 +2119,7 @@
           <a:p>
             <a:fld id="{008B194E-3721-434C-9B1B-E40BBF9B2056}" type="datetimeFigureOut">
               <a:rPr lang="en-US" smtClean="0"/>
-              <a:t>7/6/2024</a:t>
+              <a:t>7/7/2024</a:t>
             </a:fld>
             <a:endParaRPr lang="en-US"/>
           </a:p>
@@ -2394,7 +2392,7 @@
           <a:p>
             <a:fld id="{008B194E-3721-434C-9B1B-E40BBF9B2056}" type="datetimeFigureOut">
               <a:rPr lang="en-US" smtClean="0"/>
-              <a:t>7/6/2024</a:t>
+              <a:t>7/7/2024</a:t>
             </a:fld>
             <a:endParaRPr lang="en-US"/>
           </a:p>
@@ -2659,7 +2657,7 @@
           <a:p>
             <a:fld id="{008B194E-3721-434C-9B1B-E40BBF9B2056}" type="datetimeFigureOut">
               <a:rPr lang="en-US" smtClean="0"/>
-              <a:t>7/6/2024</a:t>
+              <a:t>7/7/2024</a:t>
             </a:fld>
             <a:endParaRPr lang="en-US"/>
           </a:p>
@@ -2908,7 +2906,7 @@
           <a:p>
             <a:fld id="{008B194E-3721-434C-9B1B-E40BBF9B2056}" type="datetimeFigureOut">
               <a:rPr lang="en-US" smtClean="0"/>
-              <a:t>7/6/2024</a:t>
+              <a:t>7/7/2024</a:t>
             </a:fld>
             <a:endParaRPr lang="en-US"/>
           </a:p>
@@ -3455,7 +3453,7 @@
           <p:cNvPr id="2" name="Title 1">
             <a:extLst>
               <a:ext uri="{FF2B5EF4-FFF2-40B4-BE49-F238E27FC236}">
-                <a16:creationId xmlns:a16="http://schemas.microsoft.com/office/drawing/2014/main" id="{2C748493-6F34-426D-8704-9E8EBE1DBBFD}"/>
+                <a16:creationId xmlns:a16="http://schemas.microsoft.com/office/drawing/2014/main" id="{E6D6B908-958C-5CCF-ADA3-DBF02482BBA4}"/>
               </a:ext>
             </a:extLst>
           </p:cNvPr>
@@ -3473,230 +3471,109 @@
           <a:p>
             <a:r>
               <a:rPr lang="en-US" dirty="0"/>
-              <a:t>Hooks</a:t>
-            </a:r>
-          </a:p>
-        </p:txBody>
-      </p:sp>
-      <p:sp>
-        <p:nvSpPr>
-          <p:cNvPr id="6" name="Content Placeholder 5">
+              <a:t>Context and Reducer</a:t>
+            </a:r>
+          </a:p>
+        </p:txBody>
+      </p:sp>
+      <p:sp>
+        <p:nvSpPr>
+          <p:cNvPr id="10" name="Arrow: Striped Right 9">
             <a:extLst>
               <a:ext uri="{FF2B5EF4-FFF2-40B4-BE49-F238E27FC236}">
-                <a16:creationId xmlns:a16="http://schemas.microsoft.com/office/drawing/2014/main" id="{EED9E0AC-C10C-0D01-A3E8-A98948E7DAF6}"/>
+                <a16:creationId xmlns:a16="http://schemas.microsoft.com/office/drawing/2014/main" id="{8CA4BD2D-CCF0-BAF0-36F9-C928212D95F1}"/>
               </a:ext>
             </a:extLst>
           </p:cNvPr>
-          <p:cNvSpPr>
-            <a:spLocks noGrp="1"/>
-          </p:cNvSpPr>
-          <p:nvPr>
-            <p:ph idx="1"/>
-          </p:nvPr>
-        </p:nvSpPr>
-        <p:spPr>
-          <a:xfrm>
-            <a:off x="1202919" y="2201662"/>
-            <a:ext cx="9784080" cy="4016258"/>
-          </a:xfrm>
-        </p:spPr>
-        <p:txBody>
-          <a:bodyPr>
-            <a:normAutofit fontScale="77500" lnSpcReduction="20000"/>
-          </a:bodyPr>
-          <a:lstStyle/>
-          <a:p>
-            <a:r>
-              <a:rPr lang="en-US" sz="2600" b="1" i="0" dirty="0">
-                <a:effectLst>
-                  <a:outerShdw blurRad="38100" dist="38100" dir="2700000" algn="tl">
-                    <a:srgbClr val="000000">
-                      <a:alpha val="43137"/>
-                    </a:srgbClr>
-                  </a:outerShdw>
-                </a:effectLst>
-                <a:latin typeface="source-serif-pro"/>
-              </a:rPr>
-              <a:t>useState</a:t>
-            </a:r>
-            <a:r>
-              <a:rPr lang="en-US" sz="2600" b="0" i="0" dirty="0">
-                <a:effectLst/>
-                <a:latin typeface="source-serif-pro"/>
-              </a:rPr>
-              <a:t> hook allows to add state to a functional component. </a:t>
-            </a:r>
-          </a:p>
-          <a:p>
-            <a:pPr lvl="2"/>
-            <a:r>
-              <a:rPr lang="en-US" sz="1400" b="0" i="0" dirty="0">
-                <a:effectLst/>
-                <a:latin typeface="source-serif-pro"/>
-              </a:rPr>
-              <a:t>It takes an initial value as an argument and returns an array with two elements: the current state value and a function to update it.</a:t>
-            </a:r>
-          </a:p>
-          <a:p>
-            <a:pPr lvl="2"/>
-            <a:endParaRPr lang="en-US" sz="1400" b="0" i="0" dirty="0">
-              <a:effectLst/>
-              <a:latin typeface="source-serif-pro"/>
-            </a:endParaRPr>
-          </a:p>
-          <a:p>
-            <a:r>
-              <a:rPr lang="en-US" sz="2600" b="1" dirty="0">
-                <a:effectLst>
-                  <a:outerShdw blurRad="38100" dist="38100" dir="2700000" algn="tl">
-                    <a:srgbClr val="000000">
-                      <a:alpha val="43137"/>
-                    </a:srgbClr>
-                  </a:outerShdw>
-                </a:effectLst>
-                <a:latin typeface="source-serif-pro"/>
-              </a:rPr>
-              <a:t>useEffect </a:t>
-            </a:r>
-            <a:r>
-              <a:rPr lang="en-US" sz="2600" dirty="0">
-                <a:latin typeface="source-serif-pro"/>
-              </a:rPr>
-              <a:t>hook allows to perform side effects in a functional component. </a:t>
-            </a:r>
-          </a:p>
-          <a:p>
-            <a:pPr lvl="2"/>
-            <a:r>
-              <a:rPr lang="en-US" sz="1400" b="0" i="0" dirty="0">
-                <a:effectLst/>
-                <a:latin typeface="source-serif-pro"/>
-              </a:rPr>
-              <a:t>Side effects include things like fetching data from an API, updating the DOM, or subscribing to an event.</a:t>
-            </a:r>
-          </a:p>
-          <a:p>
-            <a:pPr lvl="2"/>
-            <a:endParaRPr lang="en-US" sz="1400" b="0" i="0" dirty="0">
-              <a:effectLst/>
-              <a:latin typeface="source-serif-pro"/>
-            </a:endParaRPr>
-          </a:p>
-          <a:p>
-            <a:r>
-              <a:rPr lang="en-US" sz="2600" b="1" dirty="0">
-                <a:effectLst>
-                  <a:outerShdw blurRad="38100" dist="38100" dir="2700000" algn="tl">
-                    <a:srgbClr val="000000">
-                      <a:alpha val="43137"/>
-                    </a:srgbClr>
-                  </a:outerShdw>
-                </a:effectLst>
-                <a:latin typeface="source-serif-pro"/>
-              </a:rPr>
-              <a:t>useContext</a:t>
-            </a:r>
-            <a:r>
-              <a:rPr lang="en-US" sz="2600" dirty="0">
-                <a:latin typeface="source-serif-pro"/>
-              </a:rPr>
-              <a:t> hook allows to access a context object in a functional component. </a:t>
-            </a:r>
-          </a:p>
-          <a:p>
-            <a:pPr lvl="2"/>
-            <a:r>
-              <a:rPr lang="en-US" sz="1400" b="0" i="0" dirty="0">
-                <a:effectLst/>
-                <a:latin typeface="source-serif-pro"/>
-              </a:rPr>
-              <a:t>Context is a way to pass data down the component tree without having to pass props manually.</a:t>
-            </a:r>
-          </a:p>
-          <a:p>
-            <a:pPr lvl="2"/>
-            <a:endParaRPr lang="en-US" sz="1400" dirty="0">
-              <a:latin typeface="source-serif-pro"/>
-            </a:endParaRPr>
-          </a:p>
-          <a:p>
-            <a:r>
-              <a:rPr lang="en-US" sz="2600" b="1" dirty="0">
-                <a:effectLst>
-                  <a:outerShdw blurRad="38100" dist="38100" dir="2700000" algn="tl">
-                    <a:srgbClr val="000000">
-                      <a:alpha val="43137"/>
-                    </a:srgbClr>
-                  </a:outerShdw>
-                </a:effectLst>
-                <a:latin typeface="source-serif-pro"/>
-              </a:rPr>
-              <a:t>useReducer</a:t>
-            </a:r>
-            <a:r>
-              <a:rPr lang="en-US" sz="2600" dirty="0">
-                <a:latin typeface="source-serif-pro"/>
-              </a:rPr>
-              <a:t> hook allows to manage complex state in a functional component. </a:t>
-            </a:r>
-          </a:p>
-          <a:p>
-            <a:pPr lvl="2"/>
-            <a:r>
-              <a:rPr lang="en-US" sz="1400" b="0" i="0" dirty="0">
-                <a:effectLst/>
-                <a:latin typeface="source-serif-pro"/>
-              </a:rPr>
-              <a:t>It’s similar to the useState hook, but instead of a simple value, it takes a reducer function and an initial state.</a:t>
-            </a:r>
-          </a:p>
-          <a:p>
-            <a:pPr lvl="2"/>
-            <a:endParaRPr lang="en-US" sz="1400" b="0" i="0" dirty="0">
-              <a:effectLst/>
-              <a:latin typeface="source-serif-pro"/>
-            </a:endParaRPr>
-          </a:p>
-          <a:p>
-            <a:r>
-              <a:rPr lang="en-US" sz="2600" b="1" dirty="0">
-                <a:effectLst>
-                  <a:outerShdw blurRad="38100" dist="38100" dir="2700000" algn="tl">
-                    <a:srgbClr val="000000">
-                      <a:alpha val="43137"/>
-                    </a:srgbClr>
-                  </a:outerShdw>
-                </a:effectLst>
-                <a:latin typeface="source-serif-pro"/>
-              </a:rPr>
-              <a:t>useRef</a:t>
-            </a:r>
-            <a:r>
-              <a:rPr lang="en-US" sz="2600" dirty="0">
-                <a:latin typeface="source-serif-pro"/>
-              </a:rPr>
-              <a:t> hook allows to create a mutable ref object that persists for the lifetime of the component.</a:t>
-            </a:r>
-          </a:p>
-          <a:p>
-            <a:pPr lvl="2"/>
-            <a:r>
-              <a:rPr lang="en-US" sz="1400" b="0" i="0" dirty="0">
-                <a:effectLst/>
-                <a:latin typeface="source-serif-pro"/>
-              </a:rPr>
-              <a:t> You can use it to store and access values that don’t trigger a re-render.</a:t>
-            </a:r>
-            <a:endParaRPr lang="en-US" sz="1400" dirty="0"/>
-          </a:p>
-        </p:txBody>
-      </p:sp>
-      <p:sp>
-        <p:nvSpPr>
-          <p:cNvPr id="4" name="TextBox 3">
+          <p:cNvSpPr/>
+          <p:nvPr/>
+        </p:nvSpPr>
+        <p:spPr>
+          <a:xfrm>
+            <a:off x="6673884" y="3715082"/>
+            <a:ext cx="671804" cy="552702"/>
+          </a:xfrm>
+          <a:prstGeom prst="stripedRightArrow">
+            <a:avLst/>
+          </a:prstGeom>
+        </p:spPr>
+        <p:style>
+          <a:lnRef idx="2">
+            <a:schemeClr val="accent1">
+              <a:shade val="15000"/>
+            </a:schemeClr>
+          </a:lnRef>
+          <a:fillRef idx="1">
+            <a:schemeClr val="accent1"/>
+          </a:fillRef>
+          <a:effectRef idx="0">
+            <a:schemeClr val="accent1"/>
+          </a:effectRef>
+          <a:fontRef idx="minor">
+            <a:schemeClr val="lt1"/>
+          </a:fontRef>
+        </p:style>
+        <p:txBody>
+          <a:bodyPr rtlCol="0" anchor="ctr"/>
+          <a:lstStyle/>
+          <a:p>
+            <a:pPr algn="ctr"/>
+            <a:endParaRPr lang="en-US"/>
+          </a:p>
+        </p:txBody>
+      </p:sp>
+      <p:sp>
+        <p:nvSpPr>
+          <p:cNvPr id="12" name="Arrow: Striped Right 11">
             <a:extLst>
               <a:ext uri="{FF2B5EF4-FFF2-40B4-BE49-F238E27FC236}">
-                <a16:creationId xmlns:a16="http://schemas.microsoft.com/office/drawing/2014/main" id="{4FE1F98C-2B7C-B059-586B-EB1672E92D8E}"/>
+                <a16:creationId xmlns:a16="http://schemas.microsoft.com/office/drawing/2014/main" id="{5749CEE7-F422-8490-6D2F-1554FA22E10E}"/>
+              </a:ext>
+            </a:extLst>
+          </p:cNvPr>
+          <p:cNvSpPr/>
+          <p:nvPr/>
+        </p:nvSpPr>
+        <p:spPr>
+          <a:xfrm rot="5400000">
+            <a:off x="5217622" y="5961571"/>
+            <a:ext cx="671804" cy="552702"/>
+          </a:xfrm>
+          <a:prstGeom prst="stripedRightArrow">
+            <a:avLst/>
+          </a:prstGeom>
+        </p:spPr>
+        <p:style>
+          <a:lnRef idx="2">
+            <a:schemeClr val="accent1">
+              <a:shade val="15000"/>
+            </a:schemeClr>
+          </a:lnRef>
+          <a:fillRef idx="1">
+            <a:schemeClr val="accent1"/>
+          </a:fillRef>
+          <a:effectRef idx="0">
+            <a:schemeClr val="accent1"/>
+          </a:effectRef>
+          <a:fontRef idx="minor">
+            <a:schemeClr val="lt1"/>
+          </a:fontRef>
+        </p:style>
+        <p:txBody>
+          <a:bodyPr rtlCol="0" anchor="ctr"/>
+          <a:lstStyle/>
+          <a:p>
+            <a:pPr algn="ctr"/>
+            <a:endParaRPr lang="en-US"/>
+          </a:p>
+        </p:txBody>
+      </p:sp>
+      <p:sp>
+        <p:nvSpPr>
+          <p:cNvPr id="13" name="TextBox 12">
+            <a:extLst>
+              <a:ext uri="{FF2B5EF4-FFF2-40B4-BE49-F238E27FC236}">
+                <a16:creationId xmlns:a16="http://schemas.microsoft.com/office/drawing/2014/main" id="{693CFE08-258E-5E27-2F38-857C65DE6FDE}"/>
               </a:ext>
             </a:extLst>
           </p:cNvPr>
@@ -3705,8 +3582,8 @@
         </p:nvSpPr>
         <p:spPr>
           <a:xfrm>
-            <a:off x="4900701" y="530724"/>
-            <a:ext cx="4536263" cy="1015663"/>
+            <a:off x="8535205" y="5613355"/>
+            <a:ext cx="2373791" cy="523220"/>
           </a:xfrm>
           <a:prstGeom prst="rect">
             <a:avLst/>
@@ -3714,28 +3591,146 @@
           <a:noFill/>
         </p:spPr>
         <p:txBody>
-          <a:bodyPr wrap="square">
+          <a:bodyPr wrap="none" rtlCol="0">
             <a:spAutoFit/>
           </a:bodyPr>
           <a:lstStyle/>
           <a:p>
-            <a:r>
-              <a:rPr lang="en-US" sz="2000" dirty="0">
-                <a:solidFill>
-                  <a:schemeClr val="bg2">
-                    <a:lumMod val="75000"/>
-                  </a:schemeClr>
-                </a:solidFill>
-              </a:rPr>
-              <a:t>React hooks are a powerful feature in React that allow you to add state and other features to functional components</a:t>
-            </a:r>
-          </a:p>
-        </p:txBody>
-      </p:sp>
+            <a:pPr marL="457200" indent="-457200">
+              <a:buFont typeface="Arial" panose="020B0604020202020204" pitchFamily="34" charset="0"/>
+              <a:buChar char="•"/>
+            </a:pPr>
+            <a:r>
+              <a:rPr lang="en-US" sz="2800" dirty="0"/>
+              <a:t>useReducer</a:t>
+            </a:r>
+          </a:p>
+        </p:txBody>
+      </p:sp>
+      <p:pic>
+        <p:nvPicPr>
+          <p:cNvPr id="5" name="Picture 4">
+            <a:extLst>
+              <a:ext uri="{FF2B5EF4-FFF2-40B4-BE49-F238E27FC236}">
+                <a16:creationId xmlns:a16="http://schemas.microsoft.com/office/drawing/2014/main" id="{6EF5CA00-007B-B749-6B9A-C6C119D82C3E}"/>
+              </a:ext>
+            </a:extLst>
+          </p:cNvPr>
+          <p:cNvPicPr>
+            <a:picLocks noChangeAspect="1"/>
+          </p:cNvPicPr>
+          <p:nvPr/>
+        </p:nvPicPr>
+        <p:blipFill>
+          <a:blip r:embed="rId2"/>
+          <a:stretch>
+            <a:fillRect/>
+          </a:stretch>
+        </p:blipFill>
+        <p:spPr>
+          <a:xfrm>
+            <a:off x="469918" y="2196256"/>
+            <a:ext cx="1466001" cy="3730318"/>
+          </a:xfrm>
+          <a:prstGeom prst="rect">
+            <a:avLst/>
+          </a:prstGeom>
+        </p:spPr>
+      </p:pic>
+      <p:pic>
+        <p:nvPicPr>
+          <p:cNvPr id="8" name="Picture 7">
+            <a:extLst>
+              <a:ext uri="{FF2B5EF4-FFF2-40B4-BE49-F238E27FC236}">
+                <a16:creationId xmlns:a16="http://schemas.microsoft.com/office/drawing/2014/main" id="{41B5A808-93C6-1058-3670-0F86BF9E27C7}"/>
+              </a:ext>
+            </a:extLst>
+          </p:cNvPr>
+          <p:cNvPicPr>
+            <a:picLocks noChangeAspect="1"/>
+          </p:cNvPicPr>
+          <p:nvPr/>
+        </p:nvPicPr>
+        <p:blipFill>
+          <a:blip r:embed="rId3"/>
+          <a:stretch>
+            <a:fillRect/>
+          </a:stretch>
+        </p:blipFill>
+        <p:spPr>
+          <a:xfrm>
+            <a:off x="2451032" y="2246407"/>
+            <a:ext cx="4110887" cy="2457664"/>
+          </a:xfrm>
+          <a:prstGeom prst="rect">
+            <a:avLst/>
+          </a:prstGeom>
+        </p:spPr>
+      </p:pic>
+      <p:pic>
+        <p:nvPicPr>
+          <p:cNvPr id="14" name="Picture 13">
+            <a:extLst>
+              <a:ext uri="{FF2B5EF4-FFF2-40B4-BE49-F238E27FC236}">
+                <a16:creationId xmlns:a16="http://schemas.microsoft.com/office/drawing/2014/main" id="{EAAEB9BB-C6C2-A85D-9DAF-5DC3254BC6F4}"/>
+              </a:ext>
+            </a:extLst>
+          </p:cNvPr>
+          <p:cNvPicPr>
+            <a:picLocks noChangeAspect="1"/>
+          </p:cNvPicPr>
+          <p:nvPr/>
+        </p:nvPicPr>
+        <p:blipFill>
+          <a:blip r:embed="rId4"/>
+          <a:stretch>
+            <a:fillRect/>
+          </a:stretch>
+        </p:blipFill>
+        <p:spPr>
+          <a:xfrm>
+            <a:off x="2451032" y="4864652"/>
+            <a:ext cx="4110887" cy="778348"/>
+          </a:xfrm>
+          <a:prstGeom prst="rect">
+            <a:avLst/>
+          </a:prstGeom>
+        </p:spPr>
+      </p:pic>
+      <p:pic>
+        <p:nvPicPr>
+          <p:cNvPr id="16" name="Picture 15">
+            <a:extLst>
+              <a:ext uri="{FF2B5EF4-FFF2-40B4-BE49-F238E27FC236}">
+                <a16:creationId xmlns:a16="http://schemas.microsoft.com/office/drawing/2014/main" id="{D730509A-EE6E-6D12-E854-3AD6C4B5743B}"/>
+              </a:ext>
+            </a:extLst>
+          </p:cNvPr>
+          <p:cNvPicPr>
+            <a:picLocks noChangeAspect="1"/>
+          </p:cNvPicPr>
+          <p:nvPr/>
+        </p:nvPicPr>
+        <p:blipFill>
+          <a:blip r:embed="rId5"/>
+          <a:stretch>
+            <a:fillRect/>
+          </a:stretch>
+        </p:blipFill>
+        <p:spPr>
+          <a:xfrm>
+            <a:off x="7363794" y="2550111"/>
+            <a:ext cx="4591394" cy="2882645"/>
+          </a:xfrm>
+          <a:prstGeom prst="rect">
+            <a:avLst/>
+          </a:prstGeom>
+        </p:spPr>
+      </p:pic>
     </p:spTree>
     <p:extLst>
       <p:ext uri="{BB962C8B-B14F-4D97-AF65-F5344CB8AC3E}">
-        <p14:creationId xmlns:p14="http://schemas.microsoft.com/office/powerpoint/2010/main" val="1766182897"/>
+        <p14:creationId xmlns:p14="http://schemas.microsoft.com/office/powerpoint/2010/main" val="1801268771"/>
       </p:ext>
     </p:extLst>
   </p:cSld>
@@ -3767,7 +3762,7 @@
           <p:cNvPr id="2" name="Title 1">
             <a:extLst>
               <a:ext uri="{FF2B5EF4-FFF2-40B4-BE49-F238E27FC236}">
-                <a16:creationId xmlns:a16="http://schemas.microsoft.com/office/drawing/2014/main" id="{2C748493-6F34-426D-8704-9E8EBE1DBBFD}"/>
+                <a16:creationId xmlns:a16="http://schemas.microsoft.com/office/drawing/2014/main" id="{E6D6B908-958C-5CCF-ADA3-DBF02482BBA4}"/>
               </a:ext>
             </a:extLst>
           </p:cNvPr>
@@ -3780,8 +3775,8 @@
         </p:nvSpPr>
         <p:spPr>
           <a:xfrm>
-            <a:off x="1202918" y="284176"/>
-            <a:ext cx="10639893" cy="1508760"/>
+            <a:off x="1067124" y="284176"/>
+            <a:ext cx="4039037" cy="1508760"/>
           </a:xfrm>
         </p:spPr>
         <p:txBody>
@@ -3790,17 +3785,61 @@
           <a:p>
             <a:r>
               <a:rPr lang="en-US" dirty="0"/>
-              <a:t>Hooks: useState, UseEffect</a:t>
-            </a:r>
+              <a:t>Context in component</a:t>
+            </a:r>
+          </a:p>
+        </p:txBody>
+      </p:sp>
+      <p:sp>
+        <p:nvSpPr>
+          <p:cNvPr id="5" name="TextBox 4">
+            <a:extLst>
+              <a:ext uri="{FF2B5EF4-FFF2-40B4-BE49-F238E27FC236}">
+                <a16:creationId xmlns:a16="http://schemas.microsoft.com/office/drawing/2014/main" id="{885D7D3C-1F50-CD0C-34D4-E0354048386A}"/>
+              </a:ext>
+            </a:extLst>
+          </p:cNvPr>
+          <p:cNvSpPr txBox="1"/>
+          <p:nvPr/>
+        </p:nvSpPr>
+        <p:spPr>
+          <a:xfrm>
+            <a:off x="876994" y="3577407"/>
+            <a:ext cx="6097508" cy="523220"/>
+          </a:xfrm>
+          <a:prstGeom prst="rect">
+            <a:avLst/>
+          </a:prstGeom>
+          <a:noFill/>
+        </p:spPr>
+        <p:txBody>
+          <a:bodyPr wrap="square">
+            <a:spAutoFit/>
+          </a:bodyPr>
+          <a:lstStyle/>
+          <a:p>
+            <a:pPr marL="457200" indent="-457200">
+              <a:buFont typeface="Arial" panose="020B0604020202020204" pitchFamily="34" charset="0"/>
+              <a:buChar char="•"/>
+            </a:pPr>
+            <a:r>
+              <a:rPr lang="en-US" sz="2800" dirty="0"/>
+              <a:t>useContext</a:t>
+            </a:r>
+            <a:r>
+              <a:rPr lang="en-150" sz="2800" dirty="0"/>
+              <a:t> </a:t>
+            </a:r>
+            <a:endParaRPr lang="en-US" sz="2800" dirty="0"/>
           </a:p>
         </p:txBody>
       </p:sp>
       <p:pic>
         <p:nvPicPr>
-          <p:cNvPr id="5" name="Picture 4">
+          <p:cNvPr id="8" name="Picture 7">
             <a:extLst>
               <a:ext uri="{FF2B5EF4-FFF2-40B4-BE49-F238E27FC236}">
-                <a16:creationId xmlns:a16="http://schemas.microsoft.com/office/drawing/2014/main" id="{FC56E592-996E-4B5D-AC01-BB7681671E2E}"/>
+                <a16:creationId xmlns:a16="http://schemas.microsoft.com/office/drawing/2014/main" id="{67C96F0E-A792-254D-6B37-1907F627B327}"/>
               </a:ext>
             </a:extLst>
           </p:cNvPr>
@@ -3817,8 +3856,8 @@
         </p:blipFill>
         <p:spPr>
           <a:xfrm>
-            <a:off x="1286893" y="1509421"/>
-            <a:ext cx="7763800" cy="4819515"/>
+            <a:off x="4527228" y="396724"/>
+            <a:ext cx="6787778" cy="6064552"/>
           </a:xfrm>
           <a:prstGeom prst="rect">
             <a:avLst/>
@@ -3828,7 +3867,7 @@
     </p:spTree>
     <p:extLst>
       <p:ext uri="{BB962C8B-B14F-4D97-AF65-F5344CB8AC3E}">
-        <p14:creationId xmlns:p14="http://schemas.microsoft.com/office/powerpoint/2010/main" val="1592420308"/>
+        <p14:creationId xmlns:p14="http://schemas.microsoft.com/office/powerpoint/2010/main" val="471565945"/>
       </p:ext>
     </p:extLst>
   </p:cSld>
@@ -3860,7 +3899,7 @@
           <p:cNvPr id="2" name="Title 1">
             <a:extLst>
               <a:ext uri="{FF2B5EF4-FFF2-40B4-BE49-F238E27FC236}">
-                <a16:creationId xmlns:a16="http://schemas.microsoft.com/office/drawing/2014/main" id="{2C748493-6F34-426D-8704-9E8EBE1DBBFD}"/>
+                <a16:creationId xmlns:a16="http://schemas.microsoft.com/office/drawing/2014/main" id="{E6D6B908-958C-5CCF-ADA3-DBF02482BBA4}"/>
               </a:ext>
             </a:extLst>
           </p:cNvPr>
@@ -3873,8 +3912,8 @@
         </p:nvSpPr>
         <p:spPr>
           <a:xfrm>
-            <a:off x="1202918" y="284176"/>
-            <a:ext cx="10639893" cy="1508760"/>
+            <a:off x="1067124" y="284176"/>
+            <a:ext cx="4039037" cy="1508760"/>
           </a:xfrm>
         </p:spPr>
         <p:txBody>
@@ -3883,17 +3922,61 @@
           <a:p>
             <a:r>
               <a:rPr lang="en-US" dirty="0"/>
-              <a:t>Hooks: USEREF</a:t>
-            </a:r>
+              <a:t>useRef</a:t>
+            </a:r>
+          </a:p>
+        </p:txBody>
+      </p:sp>
+      <p:sp>
+        <p:nvSpPr>
+          <p:cNvPr id="5" name="TextBox 4">
+            <a:extLst>
+              <a:ext uri="{FF2B5EF4-FFF2-40B4-BE49-F238E27FC236}">
+                <a16:creationId xmlns:a16="http://schemas.microsoft.com/office/drawing/2014/main" id="{885D7D3C-1F50-CD0C-34D4-E0354048386A}"/>
+              </a:ext>
+            </a:extLst>
+          </p:cNvPr>
+          <p:cNvSpPr txBox="1"/>
+          <p:nvPr/>
+        </p:nvSpPr>
+        <p:spPr>
+          <a:xfrm>
+            <a:off x="382889" y="2387409"/>
+            <a:ext cx="5107346" cy="2677656"/>
+          </a:xfrm>
+          <a:prstGeom prst="rect">
+            <a:avLst/>
+          </a:prstGeom>
+          <a:noFill/>
+        </p:spPr>
+        <p:txBody>
+          <a:bodyPr wrap="square">
+            <a:spAutoFit/>
+          </a:bodyPr>
+          <a:lstStyle/>
+          <a:p>
+            <a:pPr marL="457200" indent="-457200">
+              <a:buFont typeface="Arial" panose="020B0604020202020204" pitchFamily="34" charset="0"/>
+              <a:buChar char="•"/>
+            </a:pPr>
+            <a:r>
+              <a:rPr lang="en-US" sz="2800" dirty="0"/>
+              <a:t>This usage of useRef is better than using useState for managing focus because useRef doesn't trigger re-renders and is efficient for direct DOM manipulation.</a:t>
+            </a:r>
+            <a:r>
+              <a:rPr lang="en-150" sz="2800" dirty="0"/>
+              <a:t> </a:t>
+            </a:r>
+            <a:endParaRPr lang="en-US" sz="2800" dirty="0"/>
           </a:p>
         </p:txBody>
       </p:sp>
       <p:pic>
         <p:nvPicPr>
-          <p:cNvPr id="5" name="Picture 4">
+          <p:cNvPr id="4" name="Picture 3">
             <a:extLst>
               <a:ext uri="{FF2B5EF4-FFF2-40B4-BE49-F238E27FC236}">
-                <a16:creationId xmlns:a16="http://schemas.microsoft.com/office/drawing/2014/main" id="{1E0BDB6B-A207-16F7-0E88-F0506C3A06E7}"/>
+                <a16:creationId xmlns:a16="http://schemas.microsoft.com/office/drawing/2014/main" id="{C135534D-ED4F-85A4-6BCF-52634856A57F}"/>
               </a:ext>
             </a:extLst>
           </p:cNvPr>
@@ -3910,8 +3993,8 @@
         </p:blipFill>
         <p:spPr>
           <a:xfrm>
-            <a:off x="1314887" y="1467726"/>
-            <a:ext cx="7307503" cy="4755794"/>
+            <a:off x="5661510" y="472800"/>
+            <a:ext cx="6147601" cy="6209214"/>
           </a:xfrm>
           <a:prstGeom prst="rect">
             <a:avLst/>
@@ -3921,7 +4004,7 @@
     </p:spTree>
     <p:extLst>
       <p:ext uri="{BB962C8B-B14F-4D97-AF65-F5344CB8AC3E}">
-        <p14:creationId xmlns:p14="http://schemas.microsoft.com/office/powerpoint/2010/main" val="489842131"/>
+        <p14:creationId xmlns:p14="http://schemas.microsoft.com/office/powerpoint/2010/main" val="1088180958"/>
       </p:ext>
     </p:extLst>
   </p:cSld>
@@ -3953,7 +4036,7 @@
           <p:cNvPr id="2" name="Title 1">
             <a:extLst>
               <a:ext uri="{FF2B5EF4-FFF2-40B4-BE49-F238E27FC236}">
-                <a16:creationId xmlns:a16="http://schemas.microsoft.com/office/drawing/2014/main" id="{732AA0BD-5422-32C7-6EA9-DB741B2096C1}"/>
+                <a16:creationId xmlns:a16="http://schemas.microsoft.com/office/drawing/2014/main" id="{2C748493-6F34-426D-8704-9E8EBE1DBBFD}"/>
               </a:ext>
             </a:extLst>
           </p:cNvPr>
@@ -3971,75 +4054,269 @@
           <a:p>
             <a:r>
               <a:rPr lang="en-US" dirty="0"/>
-              <a:t>Reducer and Context</a:t>
-            </a:r>
-          </a:p>
-        </p:txBody>
-      </p:sp>
-      <p:pic>
-        <p:nvPicPr>
-          <p:cNvPr id="4" name="Picture 3">
+              <a:t>Hooks</a:t>
+            </a:r>
+          </a:p>
+        </p:txBody>
+      </p:sp>
+      <p:sp>
+        <p:nvSpPr>
+          <p:cNvPr id="6" name="Content Placeholder 5">
             <a:extLst>
               <a:ext uri="{FF2B5EF4-FFF2-40B4-BE49-F238E27FC236}">
-                <a16:creationId xmlns:a16="http://schemas.microsoft.com/office/drawing/2014/main" id="{624654B2-1E5A-9198-6FBC-E0D30F9CEF60}"/>
+                <a16:creationId xmlns:a16="http://schemas.microsoft.com/office/drawing/2014/main" id="{EED9E0AC-C10C-0D01-A3E8-A98948E7DAF6}"/>
               </a:ext>
             </a:extLst>
           </p:cNvPr>
-          <p:cNvPicPr>
-            <a:picLocks noChangeAspect="1"/>
-          </p:cNvPicPr>
+          <p:cNvSpPr>
+            <a:spLocks noGrp="1"/>
+          </p:cNvSpPr>
+          <p:nvPr>
+            <p:ph idx="1"/>
+          </p:nvPr>
+        </p:nvSpPr>
+        <p:spPr>
+          <a:xfrm>
+            <a:off x="1202919" y="2201662"/>
+            <a:ext cx="9784080" cy="4016258"/>
+          </a:xfrm>
+        </p:spPr>
+        <p:txBody>
+          <a:bodyPr>
+            <a:normAutofit fontScale="77500" lnSpcReduction="20000"/>
+          </a:bodyPr>
+          <a:lstStyle/>
+          <a:p>
+            <a:r>
+              <a:rPr lang="en-US" sz="2600" b="1" i="0" dirty="0">
+                <a:effectLst>
+                  <a:outerShdw blurRad="38100" dist="38100" dir="2700000" algn="tl">
+                    <a:srgbClr val="000000">
+                      <a:alpha val="43137"/>
+                    </a:srgbClr>
+                  </a:outerShdw>
+                </a:effectLst>
+                <a:latin typeface="source-serif-pro"/>
+              </a:rPr>
+              <a:t>useState</a:t>
+            </a:r>
+            <a:r>
+              <a:rPr lang="en-US" sz="2600" b="0" i="0" dirty="0">
+                <a:effectLst/>
+                <a:latin typeface="source-serif-pro"/>
+              </a:rPr>
+              <a:t> hook allows to add state to a functional component. </a:t>
+            </a:r>
+          </a:p>
+          <a:p>
+            <a:pPr lvl="2"/>
+            <a:r>
+              <a:rPr lang="en-US" sz="1400" b="0" i="0" dirty="0">
+                <a:effectLst/>
+                <a:latin typeface="source-serif-pro"/>
+              </a:rPr>
+              <a:t>It takes an initial value as an argument and returns an array with two elements: the current state value and a function to update it.</a:t>
+            </a:r>
+          </a:p>
+          <a:p>
+            <a:pPr lvl="2"/>
+            <a:endParaRPr lang="en-US" sz="1400" b="0" i="0" dirty="0">
+              <a:effectLst/>
+              <a:latin typeface="source-serif-pro"/>
+            </a:endParaRPr>
+          </a:p>
+          <a:p>
+            <a:r>
+              <a:rPr lang="en-US" sz="2600" b="1" dirty="0">
+                <a:effectLst>
+                  <a:outerShdw blurRad="38100" dist="38100" dir="2700000" algn="tl">
+                    <a:srgbClr val="000000">
+                      <a:alpha val="43137"/>
+                    </a:srgbClr>
+                  </a:outerShdw>
+                </a:effectLst>
+                <a:latin typeface="source-serif-pro"/>
+              </a:rPr>
+              <a:t>useEffect </a:t>
+            </a:r>
+            <a:r>
+              <a:rPr lang="en-US" sz="2600" dirty="0">
+                <a:latin typeface="source-serif-pro"/>
+              </a:rPr>
+              <a:t>hook allows to perform side effects in a functional component. </a:t>
+            </a:r>
+          </a:p>
+          <a:p>
+            <a:pPr lvl="2"/>
+            <a:r>
+              <a:rPr lang="en-US" sz="1400" b="0" i="0" dirty="0">
+                <a:effectLst/>
+                <a:latin typeface="source-serif-pro"/>
+              </a:rPr>
+              <a:t>Side effects include things like fetching data from an API, updating the DOM, or subscribing to an event.</a:t>
+            </a:r>
+          </a:p>
+          <a:p>
+            <a:pPr lvl="2"/>
+            <a:endParaRPr lang="en-US" sz="1400" b="0" i="0" dirty="0">
+              <a:effectLst/>
+              <a:latin typeface="source-serif-pro"/>
+            </a:endParaRPr>
+          </a:p>
+          <a:p>
+            <a:r>
+              <a:rPr lang="en-US" sz="2600" b="1" dirty="0">
+                <a:effectLst>
+                  <a:outerShdw blurRad="38100" dist="38100" dir="2700000" algn="tl">
+                    <a:srgbClr val="000000">
+                      <a:alpha val="43137"/>
+                    </a:srgbClr>
+                  </a:outerShdw>
+                </a:effectLst>
+                <a:latin typeface="source-serif-pro"/>
+              </a:rPr>
+              <a:t>useContext</a:t>
+            </a:r>
+            <a:r>
+              <a:rPr lang="en-US" sz="2600" dirty="0">
+                <a:latin typeface="source-serif-pro"/>
+              </a:rPr>
+              <a:t> hook allows to access a context object in a functional component. </a:t>
+            </a:r>
+          </a:p>
+          <a:p>
+            <a:pPr lvl="2"/>
+            <a:r>
+              <a:rPr lang="en-US" sz="1400" b="0" i="0" dirty="0">
+                <a:effectLst/>
+                <a:latin typeface="source-serif-pro"/>
+              </a:rPr>
+              <a:t>Context is a way to pass data down the component tree without having to pass props manually.</a:t>
+            </a:r>
+          </a:p>
+          <a:p>
+            <a:pPr lvl="2"/>
+            <a:endParaRPr lang="en-US" sz="1400" dirty="0">
+              <a:latin typeface="source-serif-pro"/>
+            </a:endParaRPr>
+          </a:p>
+          <a:p>
+            <a:r>
+              <a:rPr lang="en-US" sz="2600" b="1" dirty="0">
+                <a:effectLst>
+                  <a:outerShdw blurRad="38100" dist="38100" dir="2700000" algn="tl">
+                    <a:srgbClr val="000000">
+                      <a:alpha val="43137"/>
+                    </a:srgbClr>
+                  </a:outerShdw>
+                </a:effectLst>
+                <a:latin typeface="source-serif-pro"/>
+              </a:rPr>
+              <a:t>useReducer</a:t>
+            </a:r>
+            <a:r>
+              <a:rPr lang="en-US" sz="2600" dirty="0">
+                <a:latin typeface="source-serif-pro"/>
+              </a:rPr>
+              <a:t> hook allows to manage complex state in a functional component. </a:t>
+            </a:r>
+          </a:p>
+          <a:p>
+            <a:pPr lvl="2"/>
+            <a:r>
+              <a:rPr lang="en-US" sz="1400" b="0" i="0" dirty="0">
+                <a:effectLst/>
+                <a:latin typeface="source-serif-pro"/>
+              </a:rPr>
+              <a:t>It’s similar to the useState hook, but instead of a simple value, it takes a reducer function and an initial state.</a:t>
+            </a:r>
+          </a:p>
+          <a:p>
+            <a:pPr lvl="2"/>
+            <a:endParaRPr lang="en-US" sz="1400" b="0" i="0" dirty="0">
+              <a:effectLst/>
+              <a:latin typeface="source-serif-pro"/>
+            </a:endParaRPr>
+          </a:p>
+          <a:p>
+            <a:r>
+              <a:rPr lang="en-US" sz="2600" b="1" dirty="0">
+                <a:effectLst>
+                  <a:outerShdw blurRad="38100" dist="38100" dir="2700000" algn="tl">
+                    <a:srgbClr val="000000">
+                      <a:alpha val="43137"/>
+                    </a:srgbClr>
+                  </a:outerShdw>
+                </a:effectLst>
+                <a:latin typeface="source-serif-pro"/>
+              </a:rPr>
+              <a:t>useRef</a:t>
+            </a:r>
+            <a:r>
+              <a:rPr lang="en-US" sz="2600" dirty="0">
+                <a:latin typeface="source-serif-pro"/>
+              </a:rPr>
+              <a:t> hook allows to create a mutable ref object that persists for the lifetime of the component.</a:t>
+            </a:r>
+          </a:p>
+          <a:p>
+            <a:pPr lvl="2"/>
+            <a:r>
+              <a:rPr lang="en-US" sz="1400" b="0" i="0" dirty="0">
+                <a:effectLst/>
+                <a:latin typeface="source-serif-pro"/>
+              </a:rPr>
+              <a:t> You can use it to store and access values that don’t trigger a re-render.</a:t>
+            </a:r>
+            <a:endParaRPr lang="en-US" sz="1400" dirty="0"/>
+          </a:p>
+        </p:txBody>
+      </p:sp>
+      <p:sp>
+        <p:nvSpPr>
+          <p:cNvPr id="4" name="TextBox 3">
+            <a:extLst>
+              <a:ext uri="{FF2B5EF4-FFF2-40B4-BE49-F238E27FC236}">
+                <a16:creationId xmlns:a16="http://schemas.microsoft.com/office/drawing/2014/main" id="{4FE1F98C-2B7C-B059-586B-EB1672E92D8E}"/>
+              </a:ext>
+            </a:extLst>
+          </p:cNvPr>
+          <p:cNvSpPr txBox="1"/>
           <p:nvPr/>
-        </p:nvPicPr>
-        <p:blipFill>
-          <a:blip r:embed="rId2"/>
-          <a:stretch>
-            <a:fillRect/>
-          </a:stretch>
-        </p:blipFill>
-        <p:spPr>
-          <a:xfrm>
-            <a:off x="1202919" y="1574353"/>
-            <a:ext cx="5695950" cy="4810125"/>
+        </p:nvSpPr>
+        <p:spPr>
+          <a:xfrm>
+            <a:off x="4900701" y="530724"/>
+            <a:ext cx="4536263" cy="1015663"/>
           </a:xfrm>
           <a:prstGeom prst="rect">
             <a:avLst/>
           </a:prstGeom>
-        </p:spPr>
-      </p:pic>
-      <p:pic>
-        <p:nvPicPr>
-          <p:cNvPr id="6" name="Picture 5">
-            <a:extLst>
-              <a:ext uri="{FF2B5EF4-FFF2-40B4-BE49-F238E27FC236}">
-                <a16:creationId xmlns:a16="http://schemas.microsoft.com/office/drawing/2014/main" id="{284E09FE-9D84-0D06-7E52-D79367CE8831}"/>
-              </a:ext>
-            </a:extLst>
-          </p:cNvPr>
-          <p:cNvPicPr>
-            <a:picLocks noChangeAspect="1"/>
-          </p:cNvPicPr>
-          <p:nvPr/>
-        </p:nvPicPr>
-        <p:blipFill>
-          <a:blip r:embed="rId3"/>
-          <a:stretch>
-            <a:fillRect/>
-          </a:stretch>
-        </p:blipFill>
-        <p:spPr>
-          <a:xfrm>
-            <a:off x="7279298" y="2831549"/>
-            <a:ext cx="4200525" cy="1400175"/>
-          </a:xfrm>
-          <a:prstGeom prst="rect">
-            <a:avLst/>
-          </a:prstGeom>
-        </p:spPr>
-      </p:pic>
+          <a:noFill/>
+        </p:spPr>
+        <p:txBody>
+          <a:bodyPr wrap="square">
+            <a:spAutoFit/>
+          </a:bodyPr>
+          <a:lstStyle/>
+          <a:p>
+            <a:r>
+              <a:rPr lang="en-US" sz="2000" dirty="0">
+                <a:solidFill>
+                  <a:schemeClr val="bg2">
+                    <a:lumMod val="75000"/>
+                  </a:schemeClr>
+                </a:solidFill>
+              </a:rPr>
+              <a:t>React hooks are a powerful feature in React that allow you to add state and other features to functional components</a:t>
+            </a:r>
+          </a:p>
+        </p:txBody>
+      </p:sp>
     </p:spTree>
     <p:extLst>
       <p:ext uri="{BB962C8B-B14F-4D97-AF65-F5344CB8AC3E}">
-        <p14:creationId xmlns:p14="http://schemas.microsoft.com/office/powerpoint/2010/main" val="2071957294"/>
+        <p14:creationId xmlns:p14="http://schemas.microsoft.com/office/powerpoint/2010/main" val="1766182897"/>
       </p:ext>
     </p:extLst>
   </p:cSld>
@@ -4071,282 +4348,6 @@
           <p:cNvPr id="2" name="Title 1">
             <a:extLst>
               <a:ext uri="{FF2B5EF4-FFF2-40B4-BE49-F238E27FC236}">
-                <a16:creationId xmlns:a16="http://schemas.microsoft.com/office/drawing/2014/main" id="{E8CDBA29-47EA-195E-E6CC-23E2396197B8}"/>
-              </a:ext>
-            </a:extLst>
-          </p:cNvPr>
-          <p:cNvSpPr>
-            <a:spLocks noGrp="1"/>
-          </p:cNvSpPr>
-          <p:nvPr>
-            <p:ph type="title"/>
-          </p:nvPr>
-        </p:nvSpPr>
-        <p:spPr/>
-        <p:txBody>
-          <a:bodyPr/>
-          <a:lstStyle/>
-          <a:p>
-            <a:r>
-              <a:rPr lang="en-US" dirty="0"/>
-              <a:t>useReducer and useContext</a:t>
-            </a:r>
-          </a:p>
-        </p:txBody>
-      </p:sp>
-      <p:pic>
-        <p:nvPicPr>
-          <p:cNvPr id="5" name="Picture 4">
-            <a:extLst>
-              <a:ext uri="{FF2B5EF4-FFF2-40B4-BE49-F238E27FC236}">
-                <a16:creationId xmlns:a16="http://schemas.microsoft.com/office/drawing/2014/main" id="{C4EADC57-FD82-9AC1-3E34-D566D9B20EB2}"/>
-              </a:ext>
-            </a:extLst>
-          </p:cNvPr>
-          <p:cNvPicPr>
-            <a:picLocks noChangeAspect="1"/>
-          </p:cNvPicPr>
-          <p:nvPr/>
-        </p:nvPicPr>
-        <p:blipFill>
-          <a:blip r:embed="rId2"/>
-          <a:stretch>
-            <a:fillRect/>
-          </a:stretch>
-        </p:blipFill>
-        <p:spPr>
-          <a:xfrm>
-            <a:off x="706015" y="2435291"/>
-            <a:ext cx="4992189" cy="3778897"/>
-          </a:xfrm>
-          <a:prstGeom prst="rect">
-            <a:avLst/>
-          </a:prstGeom>
-        </p:spPr>
-      </p:pic>
-      <p:pic>
-        <p:nvPicPr>
-          <p:cNvPr id="8" name="Picture 7">
-            <a:extLst>
-              <a:ext uri="{FF2B5EF4-FFF2-40B4-BE49-F238E27FC236}">
-                <a16:creationId xmlns:a16="http://schemas.microsoft.com/office/drawing/2014/main" id="{ADAD8988-49F7-1149-51B2-CE65D5CE3B7C}"/>
-              </a:ext>
-            </a:extLst>
-          </p:cNvPr>
-          <p:cNvPicPr>
-            <a:picLocks noChangeAspect="1"/>
-          </p:cNvPicPr>
-          <p:nvPr/>
-        </p:nvPicPr>
-        <p:blipFill>
-          <a:blip r:embed="rId3"/>
-          <a:stretch>
-            <a:fillRect/>
-          </a:stretch>
-        </p:blipFill>
-        <p:spPr>
-          <a:xfrm>
-            <a:off x="6017993" y="2435291"/>
-            <a:ext cx="5654604" cy="3778897"/>
-          </a:xfrm>
-          <a:prstGeom prst="rect">
-            <a:avLst/>
-          </a:prstGeom>
-        </p:spPr>
-      </p:pic>
-    </p:spTree>
-    <p:extLst>
-      <p:ext uri="{BB962C8B-B14F-4D97-AF65-F5344CB8AC3E}">
-        <p14:creationId xmlns:p14="http://schemas.microsoft.com/office/powerpoint/2010/main" val="1387590996"/>
-      </p:ext>
-    </p:extLst>
-  </p:cSld>
-  <p:clrMapOvr>
-    <a:masterClrMapping/>
-  </p:clrMapOvr>
-</p:sld>
-</file>
-
-<file path=ppt/slides/slide15.xml><?xml version="1.0" encoding="utf-8"?>
-<p:sld xmlns:a="http://schemas.openxmlformats.org/drawingml/2006/main" xmlns:r="http://schemas.openxmlformats.org/officeDocument/2006/relationships" xmlns:p="http://schemas.openxmlformats.org/presentationml/2006/main">
-  <p:cSld>
-    <p:spTree>
-      <p:nvGrpSpPr>
-        <p:cNvPr id="1" name=""/>
-        <p:cNvGrpSpPr/>
-        <p:nvPr/>
-      </p:nvGrpSpPr>
-      <p:grpSpPr>
-        <a:xfrm>
-          <a:off x="0" y="0"/>
-          <a:ext cx="0" cy="0"/>
-          <a:chOff x="0" y="0"/>
-          <a:chExt cx="0" cy="0"/>
-        </a:xfrm>
-      </p:grpSpPr>
-      <p:sp>
-        <p:nvSpPr>
-          <p:cNvPr id="2" name="Title 1">
-            <a:extLst>
-              <a:ext uri="{FF2B5EF4-FFF2-40B4-BE49-F238E27FC236}">
-                <a16:creationId xmlns:a16="http://schemas.microsoft.com/office/drawing/2014/main" id="{B13B1AB5-F9B3-FC51-E40C-90AF80C1528D}"/>
-              </a:ext>
-            </a:extLst>
-          </p:cNvPr>
-          <p:cNvSpPr>
-            <a:spLocks noGrp="1"/>
-          </p:cNvSpPr>
-          <p:nvPr>
-            <p:ph type="title"/>
-          </p:nvPr>
-        </p:nvSpPr>
-        <p:spPr/>
-        <p:txBody>
-          <a:bodyPr/>
-          <a:lstStyle/>
-          <a:p>
-            <a:r>
-              <a:rPr lang="en-US" dirty="0"/>
-              <a:t>Wallet Example</a:t>
-            </a:r>
-          </a:p>
-        </p:txBody>
-      </p:sp>
-      <p:sp>
-        <p:nvSpPr>
-          <p:cNvPr id="3" name="TextBox 2">
-            <a:extLst>
-              <a:ext uri="{FF2B5EF4-FFF2-40B4-BE49-F238E27FC236}">
-                <a16:creationId xmlns:a16="http://schemas.microsoft.com/office/drawing/2014/main" id="{DE3B17FC-AEE1-A041-EF13-6790412FE024}"/>
-              </a:ext>
-            </a:extLst>
-          </p:cNvPr>
-          <p:cNvSpPr txBox="1"/>
-          <p:nvPr/>
-        </p:nvSpPr>
-        <p:spPr>
-          <a:xfrm>
-            <a:off x="1202919" y="2049509"/>
-            <a:ext cx="9784080" cy="4339650"/>
-          </a:xfrm>
-          <a:prstGeom prst="rect">
-            <a:avLst/>
-          </a:prstGeom>
-          <a:noFill/>
-        </p:spPr>
-        <p:txBody>
-          <a:bodyPr wrap="square" rtlCol="0">
-            <a:spAutoFit/>
-          </a:bodyPr>
-          <a:lstStyle/>
-          <a:p>
-            <a:r>
-              <a:rPr lang="en-US" sz="2400" b="1" dirty="0">
-                <a:solidFill>
-                  <a:srgbClr val="002060"/>
-                </a:solidFill>
-              </a:rPr>
-              <a:t>Multicurrency wallet (BTC, ETH), providing the following functionality:</a:t>
-            </a:r>
-          </a:p>
-          <a:p>
-            <a:endParaRPr lang="en-US" sz="2400" dirty="0"/>
-          </a:p>
-          <a:p>
-            <a:r>
-              <a:rPr lang="en-US" sz="2400" dirty="0"/>
-              <a:t>1. Wallet open/new/restore operations</a:t>
-            </a:r>
-          </a:p>
-          <a:p>
-            <a:pPr marL="742950" lvl="1" indent="-285750">
-              <a:buFont typeface="Arial" panose="020B0604020202020204" pitchFamily="34" charset="0"/>
-              <a:buChar char="•"/>
-            </a:pPr>
-            <a:r>
-              <a:rPr lang="en-US" sz="2000" dirty="0"/>
-              <a:t>Create new wallet (using ethers.js)</a:t>
-            </a:r>
-          </a:p>
-          <a:p>
-            <a:pPr marL="742950" lvl="1" indent="-285750">
-              <a:buFont typeface="Arial" panose="020B0604020202020204" pitchFamily="34" charset="0"/>
-              <a:buChar char="•"/>
-            </a:pPr>
-            <a:r>
-              <a:rPr lang="en-US" sz="2000" dirty="0"/>
-              <a:t>Open existing wallet (by name and password)</a:t>
-            </a:r>
-          </a:p>
-          <a:p>
-            <a:pPr marL="742950" lvl="1" indent="-285750">
-              <a:buFont typeface="Arial" panose="020B0604020202020204" pitchFamily="34" charset="0"/>
-              <a:buChar char="•"/>
-            </a:pPr>
-            <a:r>
-              <a:rPr lang="en-US" sz="2000" dirty="0"/>
-              <a:t>Import existing wallet (by mnemonic phrase)</a:t>
-            </a:r>
-          </a:p>
-          <a:p>
-            <a:pPr marL="742950" lvl="1" indent="-285750">
-              <a:buFont typeface="Arial" panose="020B0604020202020204" pitchFamily="34" charset="0"/>
-              <a:buChar char="•"/>
-            </a:pPr>
-            <a:endParaRPr lang="en-US" sz="2400" dirty="0"/>
-          </a:p>
-          <a:p>
-            <a:r>
-              <a:rPr lang="en-US" sz="2400" dirty="0"/>
-              <a:t>2. The wallet data must be stored in localStorage encrypted with SHA-256 algorithm </a:t>
-            </a:r>
-          </a:p>
-          <a:p>
-            <a:endParaRPr lang="en-US" sz="2400" dirty="0"/>
-          </a:p>
-          <a:p>
-            <a:r>
-              <a:rPr lang="en-US" sz="2400" dirty="0"/>
-              <a:t>3. After opening the wallet (by name and password) the dashboard page will show the wallet accounts data (addresses and private keys by currency)</a:t>
-            </a:r>
-          </a:p>
-        </p:txBody>
-      </p:sp>
-    </p:spTree>
-    <p:extLst>
-      <p:ext uri="{BB962C8B-B14F-4D97-AF65-F5344CB8AC3E}">
-        <p14:creationId xmlns:p14="http://schemas.microsoft.com/office/powerpoint/2010/main" val="2862592231"/>
-      </p:ext>
-    </p:extLst>
-  </p:cSld>
-  <p:clrMapOvr>
-    <a:masterClrMapping/>
-  </p:clrMapOvr>
-</p:sld>
-</file>
-
-<file path=ppt/slides/slide16.xml><?xml version="1.0" encoding="utf-8"?>
-<p:sld xmlns:a="http://schemas.openxmlformats.org/drawingml/2006/main" xmlns:r="http://schemas.openxmlformats.org/officeDocument/2006/relationships" xmlns:p="http://schemas.openxmlformats.org/presentationml/2006/main">
-  <p:cSld>
-    <p:spTree>
-      <p:nvGrpSpPr>
-        <p:cNvPr id="1" name=""/>
-        <p:cNvGrpSpPr/>
-        <p:nvPr/>
-      </p:nvGrpSpPr>
-      <p:grpSpPr>
-        <a:xfrm>
-          <a:off x="0" y="0"/>
-          <a:ext cx="0" cy="0"/>
-          <a:chOff x="0" y="0"/>
-          <a:chExt cx="0" cy="0"/>
-        </a:xfrm>
-      </p:grpSpPr>
-      <p:sp>
-        <p:nvSpPr>
-          <p:cNvPr id="2" name="Title 1">
-            <a:extLst>
-              <a:ext uri="{FF2B5EF4-FFF2-40B4-BE49-F238E27FC236}">
                 <a16:creationId xmlns:a16="http://schemas.microsoft.com/office/drawing/2014/main" id="{CC5044D4-20F8-961D-FD4F-BF8EBE004C46}"/>
               </a:ext>
             </a:extLst>
@@ -4452,15 +4453,6 @@
             <a:endParaRPr lang="en-US" dirty="0"/>
           </a:p>
           <a:p>
-            <a:r>
-              <a:rPr lang="en-US" dirty="0">
-                <a:hlinkClick r:id="rId4"/>
-              </a:rPr>
-              <a:t>https://larainfo.com/blogs/install-tailwind-css-in-preact</a:t>
-            </a:r>
-            <a:endParaRPr lang="en-US" dirty="0"/>
-          </a:p>
-          <a:p>
             <a:endParaRPr lang="en-US" dirty="0"/>
           </a:p>
           <a:p>
@@ -4476,9 +4468,9 @@
           <a:p>
             <a:r>
               <a:rPr lang="en-US" dirty="0">
-                <a:hlinkClick r:id="rId5"/>
+                <a:hlinkClick r:id="rId4"/>
               </a:rPr>
-              <a:t>https://github.com/alexvirtech/hdwallet2</a:t>
+              <a:t>https://github.com/alexvirtech/preact-and-hooks</a:t>
             </a:r>
             <a:endParaRPr lang="en-US" dirty="0"/>
           </a:p>
